--- a/week4/Lecture 4.pptx
+++ b/week4/Lecture 4.pptx
@@ -141,14 +141,6 @@
     </p:ext>
   </p:extLst>
 </p:presentation>
-</file>
-
-<file path=ppt/revisionInfo.xml><?xml version="1.0" encoding="utf-8"?>
-<p1510:revInfo xmlns:a="http://schemas.openxmlformats.org/drawingml/2006/main" xmlns:r="http://schemas.openxmlformats.org/officeDocument/2006/relationships" xmlns:p1510="http://schemas.microsoft.com/office/powerpoint/2015/10/main">
-  <p1510:revLst>
-    <p1510:client id="{B642D714-F4DC-4A68-8C98-29247C0BA700}" v="10648" dt="2021-12-03T14:44:39.542"/>
-  </p1510:revLst>
-</p1510:revInfo>
 </file>
 
 <file path=ppt/changesInfos/changesInfo1.xml><?xml version="1.0" encoding="utf-8"?>
@@ -1389,7 +1381,7 @@
           <a:p>
             <a:fld id="{246DB352-6B2F-430A-BBA5-3354E3AD6FF3}" type="datetimeFigureOut">
               <a:rPr lang="sv-SE"/>
-              <a:t>2021-12-03</a:t>
+              <a:t>2022-10-21</a:t>
             </a:fld>
             <a:endParaRPr lang="sv-SE"/>
           </a:p>
@@ -4142,7 +4134,7 @@
           <a:p>
             <a:fld id="{1560A13A-DB3F-4AD5-B6AF-BDA0278A0A39}" type="datetimeFigureOut">
               <a:rPr lang="sv-SE" smtClean="0"/>
-              <a:t>2021-12-03</a:t>
+              <a:t>2022-10-21</a:t>
             </a:fld>
             <a:endParaRPr lang="sv-SE"/>
           </a:p>
@@ -4310,7 +4302,7 @@
           <a:p>
             <a:fld id="{1560A13A-DB3F-4AD5-B6AF-BDA0278A0A39}" type="datetimeFigureOut">
               <a:rPr lang="sv-SE" smtClean="0"/>
-              <a:t>2021-12-03</a:t>
+              <a:t>2022-10-21</a:t>
             </a:fld>
             <a:endParaRPr lang="sv-SE"/>
           </a:p>
@@ -4488,7 +4480,7 @@
           <a:p>
             <a:fld id="{1560A13A-DB3F-4AD5-B6AF-BDA0278A0A39}" type="datetimeFigureOut">
               <a:rPr lang="sv-SE" smtClean="0"/>
-              <a:t>2021-12-03</a:t>
+              <a:t>2022-10-21</a:t>
             </a:fld>
             <a:endParaRPr lang="sv-SE"/>
           </a:p>
@@ -4728,7 +4720,7 @@
           <a:p>
             <a:fld id="{CB691D8B-C5C2-5444-80BD-7918809BC607}" type="datetimeFigureOut">
               <a:rPr lang="sv-SE" smtClean="0"/>
-              <a:t>2021-12-03</a:t>
+              <a:t>2022-10-21</a:t>
             </a:fld>
             <a:endParaRPr lang="sv-SE"/>
           </a:p>
@@ -4896,7 +4888,7 @@
           <a:p>
             <a:fld id="{CB691D8B-C5C2-5444-80BD-7918809BC607}" type="datetimeFigureOut">
               <a:rPr lang="sv-SE" smtClean="0"/>
-              <a:t>2021-12-03</a:t>
+              <a:t>2022-10-21</a:t>
             </a:fld>
             <a:endParaRPr lang="sv-SE"/>
           </a:p>
@@ -5141,7 +5133,7 @@
           <a:p>
             <a:fld id="{CB691D8B-C5C2-5444-80BD-7918809BC607}" type="datetimeFigureOut">
               <a:rPr lang="sv-SE" smtClean="0"/>
-              <a:t>2021-12-03</a:t>
+              <a:t>2022-10-21</a:t>
             </a:fld>
             <a:endParaRPr lang="sv-SE"/>
           </a:p>
@@ -5426,7 +5418,7 @@
           <a:p>
             <a:fld id="{CB691D8B-C5C2-5444-80BD-7918809BC607}" type="datetimeFigureOut">
               <a:rPr lang="sv-SE" smtClean="0"/>
-              <a:t>2021-12-03</a:t>
+              <a:t>2022-10-21</a:t>
             </a:fld>
             <a:endParaRPr lang="sv-SE"/>
           </a:p>
@@ -5845,7 +5837,7 @@
           <a:p>
             <a:fld id="{CB691D8B-C5C2-5444-80BD-7918809BC607}" type="datetimeFigureOut">
               <a:rPr lang="sv-SE" smtClean="0"/>
-              <a:t>2021-12-03</a:t>
+              <a:t>2022-10-21</a:t>
             </a:fld>
             <a:endParaRPr lang="sv-SE"/>
           </a:p>
@@ -5962,7 +5954,7 @@
           <a:p>
             <a:fld id="{CB691D8B-C5C2-5444-80BD-7918809BC607}" type="datetimeFigureOut">
               <a:rPr lang="sv-SE" smtClean="0"/>
-              <a:t>2021-12-03</a:t>
+              <a:t>2022-10-21</a:t>
             </a:fld>
             <a:endParaRPr lang="sv-SE"/>
           </a:p>
@@ -6057,7 +6049,7 @@
           <a:p>
             <a:fld id="{CB691D8B-C5C2-5444-80BD-7918809BC607}" type="datetimeFigureOut">
               <a:rPr lang="sv-SE" smtClean="0"/>
-              <a:t>2021-12-03</a:t>
+              <a:t>2022-10-21</a:t>
             </a:fld>
             <a:endParaRPr lang="sv-SE"/>
           </a:p>
@@ -6332,7 +6324,7 @@
           <a:p>
             <a:fld id="{CB691D8B-C5C2-5444-80BD-7918809BC607}" type="datetimeFigureOut">
               <a:rPr lang="sv-SE" smtClean="0"/>
-              <a:t>2021-12-03</a:t>
+              <a:t>2022-10-21</a:t>
             </a:fld>
             <a:endParaRPr lang="sv-SE"/>
           </a:p>
@@ -6500,7 +6492,7 @@
           <a:p>
             <a:fld id="{1560A13A-DB3F-4AD5-B6AF-BDA0278A0A39}" type="datetimeFigureOut">
               <a:rPr lang="sv-SE" smtClean="0"/>
-              <a:t>2021-12-03</a:t>
+              <a:t>2022-10-21</a:t>
             </a:fld>
             <a:endParaRPr lang="sv-SE"/>
           </a:p>
@@ -6752,7 +6744,7 @@
           <a:p>
             <a:fld id="{CB691D8B-C5C2-5444-80BD-7918809BC607}" type="datetimeFigureOut">
               <a:rPr lang="sv-SE" smtClean="0"/>
-              <a:t>2021-12-03</a:t>
+              <a:t>2022-10-21</a:t>
             </a:fld>
             <a:endParaRPr lang="sv-SE"/>
           </a:p>
@@ -6920,7 +6912,7 @@
           <a:p>
             <a:fld id="{CB691D8B-C5C2-5444-80BD-7918809BC607}" type="datetimeFigureOut">
               <a:rPr lang="sv-SE" smtClean="0"/>
-              <a:t>2021-12-03</a:t>
+              <a:t>2022-10-21</a:t>
             </a:fld>
             <a:endParaRPr lang="sv-SE"/>
           </a:p>
@@ -7098,7 +7090,7 @@
           <a:p>
             <a:fld id="{CB691D8B-C5C2-5444-80BD-7918809BC607}" type="datetimeFigureOut">
               <a:rPr lang="sv-SE" smtClean="0"/>
-              <a:t>2021-12-03</a:t>
+              <a:t>2022-10-21</a:t>
             </a:fld>
             <a:endParaRPr lang="sv-SE"/>
           </a:p>
@@ -8298,7 +8290,7 @@
           <a:p>
             <a:fld id="{1560A13A-DB3F-4AD5-B6AF-BDA0278A0A39}" type="datetimeFigureOut">
               <a:rPr lang="sv-SE" smtClean="0"/>
-              <a:t>2021-12-03</a:t>
+              <a:t>2022-10-21</a:t>
             </a:fld>
             <a:endParaRPr lang="sv-SE"/>
           </a:p>
@@ -8527,7 +8519,7 @@
           <a:p>
             <a:fld id="{1560A13A-DB3F-4AD5-B6AF-BDA0278A0A39}" type="datetimeFigureOut">
               <a:rPr lang="sv-SE" smtClean="0"/>
-              <a:t>2021-12-03</a:t>
+              <a:t>2022-10-21</a:t>
             </a:fld>
             <a:endParaRPr lang="sv-SE"/>
           </a:p>
@@ -8891,7 +8883,7 @@
           <a:p>
             <a:fld id="{1560A13A-DB3F-4AD5-B6AF-BDA0278A0A39}" type="datetimeFigureOut">
               <a:rPr lang="sv-SE" smtClean="0"/>
-              <a:t>2021-12-03</a:t>
+              <a:t>2022-10-21</a:t>
             </a:fld>
             <a:endParaRPr lang="sv-SE"/>
           </a:p>
@@ -9008,7 +9000,7 @@
           <a:p>
             <a:fld id="{1560A13A-DB3F-4AD5-B6AF-BDA0278A0A39}" type="datetimeFigureOut">
               <a:rPr lang="sv-SE" smtClean="0"/>
-              <a:t>2021-12-03</a:t>
+              <a:t>2022-10-21</a:t>
             </a:fld>
             <a:endParaRPr lang="sv-SE"/>
           </a:p>
@@ -9103,7 +9095,7 @@
           <a:p>
             <a:fld id="{1560A13A-DB3F-4AD5-B6AF-BDA0278A0A39}" type="datetimeFigureOut">
               <a:rPr lang="sv-SE" smtClean="0"/>
-              <a:t>2021-12-03</a:t>
+              <a:t>2022-10-21</a:t>
             </a:fld>
             <a:endParaRPr lang="sv-SE"/>
           </a:p>
@@ -9378,7 +9370,7 @@
           <a:p>
             <a:fld id="{1560A13A-DB3F-4AD5-B6AF-BDA0278A0A39}" type="datetimeFigureOut">
               <a:rPr lang="sv-SE" smtClean="0"/>
-              <a:t>2021-12-03</a:t>
+              <a:t>2022-10-21</a:t>
             </a:fld>
             <a:endParaRPr lang="sv-SE"/>
           </a:p>
@@ -9630,7 +9622,7 @@
           <a:p>
             <a:fld id="{1560A13A-DB3F-4AD5-B6AF-BDA0278A0A39}" type="datetimeFigureOut">
               <a:rPr lang="sv-SE" smtClean="0"/>
-              <a:t>2021-12-03</a:t>
+              <a:t>2022-10-21</a:t>
             </a:fld>
             <a:endParaRPr lang="sv-SE"/>
           </a:p>
@@ -9841,7 +9833,7 @@
           <a:p>
             <a:fld id="{1560A13A-DB3F-4AD5-B6AF-BDA0278A0A39}" type="datetimeFigureOut">
               <a:rPr lang="sv-SE" smtClean="0"/>
-              <a:t>2021-12-03</a:t>
+              <a:t>2022-10-21</a:t>
             </a:fld>
             <a:endParaRPr lang="sv-SE"/>
           </a:p>
@@ -10379,7 +10371,7 @@
           <a:p>
             <a:fld id="{CB691D8B-C5C2-5444-80BD-7918809BC607}" type="datetimeFigureOut">
               <a:rPr lang="sv-SE" smtClean="0"/>
-              <a:t>2021-12-03</a:t>
+              <a:t>2022-10-21</a:t>
             </a:fld>
             <a:endParaRPr lang="sv-SE"/>
           </a:p>
